--- a/总结.pptx
+++ b/总结.pptx
@@ -264,7 +264,7 @@
           <a:p>
             <a:fld id="{4630115F-65E7-4948-BBBD-A84F05213A84}" type="datetimeFigureOut">
               <a:rPr lang="en-US" smtClean="0"/>
-              <a:t>6/7/2020</a:t>
+              <a:t>6/8/2020</a:t>
             </a:fld>
             <a:endParaRPr lang="en-US"/>
           </a:p>
@@ -462,7 +462,7 @@
           <a:p>
             <a:fld id="{4630115F-65E7-4948-BBBD-A84F05213A84}" type="datetimeFigureOut">
               <a:rPr lang="en-US" smtClean="0"/>
-              <a:t>6/7/2020</a:t>
+              <a:t>6/8/2020</a:t>
             </a:fld>
             <a:endParaRPr lang="en-US"/>
           </a:p>
@@ -670,7 +670,7 @@
           <a:p>
             <a:fld id="{4630115F-65E7-4948-BBBD-A84F05213A84}" type="datetimeFigureOut">
               <a:rPr lang="en-US" smtClean="0"/>
-              <a:t>6/7/2020</a:t>
+              <a:t>6/8/2020</a:t>
             </a:fld>
             <a:endParaRPr lang="en-US"/>
           </a:p>
@@ -868,7 +868,7 @@
           <a:p>
             <a:fld id="{4630115F-65E7-4948-BBBD-A84F05213A84}" type="datetimeFigureOut">
               <a:rPr lang="en-US" smtClean="0"/>
-              <a:t>6/7/2020</a:t>
+              <a:t>6/8/2020</a:t>
             </a:fld>
             <a:endParaRPr lang="en-US"/>
           </a:p>
@@ -1143,7 +1143,7 @@
           <a:p>
             <a:fld id="{4630115F-65E7-4948-BBBD-A84F05213A84}" type="datetimeFigureOut">
               <a:rPr lang="en-US" smtClean="0"/>
-              <a:t>6/7/2020</a:t>
+              <a:t>6/8/2020</a:t>
             </a:fld>
             <a:endParaRPr lang="en-US"/>
           </a:p>
@@ -1408,7 +1408,7 @@
           <a:p>
             <a:fld id="{4630115F-65E7-4948-BBBD-A84F05213A84}" type="datetimeFigureOut">
               <a:rPr lang="en-US" smtClean="0"/>
-              <a:t>6/7/2020</a:t>
+              <a:t>6/8/2020</a:t>
             </a:fld>
             <a:endParaRPr lang="en-US"/>
           </a:p>
@@ -1820,7 +1820,7 @@
           <a:p>
             <a:fld id="{4630115F-65E7-4948-BBBD-A84F05213A84}" type="datetimeFigureOut">
               <a:rPr lang="en-US" smtClean="0"/>
-              <a:t>6/7/2020</a:t>
+              <a:t>6/8/2020</a:t>
             </a:fld>
             <a:endParaRPr lang="en-US"/>
           </a:p>
@@ -1961,7 +1961,7 @@
           <a:p>
             <a:fld id="{4630115F-65E7-4948-BBBD-A84F05213A84}" type="datetimeFigureOut">
               <a:rPr lang="en-US" smtClean="0"/>
-              <a:t>6/7/2020</a:t>
+              <a:t>6/8/2020</a:t>
             </a:fld>
             <a:endParaRPr lang="en-US"/>
           </a:p>
@@ -2074,7 +2074,7 @@
           <a:p>
             <a:fld id="{4630115F-65E7-4948-BBBD-A84F05213A84}" type="datetimeFigureOut">
               <a:rPr lang="en-US" smtClean="0"/>
-              <a:t>6/7/2020</a:t>
+              <a:t>6/8/2020</a:t>
             </a:fld>
             <a:endParaRPr lang="en-US"/>
           </a:p>
@@ -2385,7 +2385,7 @@
           <a:p>
             <a:fld id="{4630115F-65E7-4948-BBBD-A84F05213A84}" type="datetimeFigureOut">
               <a:rPr lang="en-US" smtClean="0"/>
-              <a:t>6/7/2020</a:t>
+              <a:t>6/8/2020</a:t>
             </a:fld>
             <a:endParaRPr lang="en-US"/>
           </a:p>
@@ -2673,7 +2673,7 @@
           <a:p>
             <a:fld id="{4630115F-65E7-4948-BBBD-A84F05213A84}" type="datetimeFigureOut">
               <a:rPr lang="en-US" smtClean="0"/>
-              <a:t>6/7/2020</a:t>
+              <a:t>6/8/2020</a:t>
             </a:fld>
             <a:endParaRPr lang="en-US"/>
           </a:p>
@@ -2917,7 +2917,7 @@
           <a:p>
             <a:fld id="{4630115F-65E7-4948-BBBD-A84F05213A84}" type="datetimeFigureOut">
               <a:rPr lang="en-US" smtClean="0"/>
-              <a:t>6/7/2020</a:t>
+              <a:t>6/8/2020</a:t>
             </a:fld>
             <a:endParaRPr lang="en-US"/>
           </a:p>
@@ -4462,7 +4462,7 @@
                 <a:hlinkClick r:id="rId2">
                   <a:extLst>
                     <a:ext uri="{A12FA001-AC4F-418D-AE19-62706E023703}">
-                      <ahyp:hlinkClr xmlns="" xmlns:ahyp="http://schemas.microsoft.com/office/drawing/2018/hyperlinkcolor" val="tx"/>
+                      <ahyp:hlinkClr xmlns:ahyp="http://schemas.microsoft.com/office/drawing/2018/hyperlinkcolor" val="tx"/>
                     </a:ext>
                   </a:extLst>
                 </a:hlinkClick>
@@ -5745,7 +5745,7 @@
                 <a:latin typeface="黑体" panose="02010609060101010101" pitchFamily="49" charset="-122"/>
                 <a:ea typeface="黑体" panose="02010609060101010101" pitchFamily="49" charset="-122"/>
               </a:rPr>
-              <a:t>分享视频连接功能</a:t>
+              <a:t>分享视频链接功能</a:t>
             </a:r>
             <a:endParaRPr lang="en-US" altLang="zh-CN" dirty="0">
               <a:solidFill>
@@ -7227,7 +7227,7 @@
         <p:spPr>
           <a:xfrm>
             <a:off x="596165" y="1447229"/>
-            <a:ext cx="10999433" cy="4093428"/>
+            <a:ext cx="10999433" cy="5324535"/>
           </a:xfrm>
           <a:prstGeom prst="rect">
             <a:avLst/>
@@ -7635,6 +7635,194 @@
                 <a:ea typeface="黑体" panose="02010609060101010101" pitchFamily="49" charset="-122"/>
               </a:rPr>
               <a:t>内没有再次点击就会被判定为一次双击事件；无论连续点击多少次，都会被判定为一次双击事件。这样就解决了误判的问题。</a:t>
+            </a:r>
+            <a:endParaRPr lang="en-US" altLang="zh-CN" sz="2000" dirty="0">
+              <a:solidFill>
+                <a:schemeClr val="tx1">
+                  <a:lumMod val="95000"/>
+                  <a:lumOff val="5000"/>
+                </a:schemeClr>
+              </a:solidFill>
+              <a:latin typeface="黑体" panose="02010609060101010101" pitchFamily="49" charset="-122"/>
+              <a:ea typeface="黑体" panose="02010609060101010101" pitchFamily="49" charset="-122"/>
+            </a:endParaRPr>
+          </a:p>
+          <a:p>
+            <a:pPr marL="457200" indent="-457200">
+              <a:buFont typeface="+mj-lt"/>
+              <a:buAutoNum type="arabicPeriod"/>
+            </a:pPr>
+            <a:endParaRPr lang="en-US" altLang="zh-CN" sz="2000" dirty="0">
+              <a:solidFill>
+                <a:schemeClr val="tx1">
+                  <a:lumMod val="95000"/>
+                  <a:lumOff val="5000"/>
+                </a:schemeClr>
+              </a:solidFill>
+              <a:latin typeface="黑体" panose="02010609060101010101" pitchFamily="49" charset="-122"/>
+              <a:ea typeface="黑体" panose="02010609060101010101" pitchFamily="49" charset="-122"/>
+            </a:endParaRPr>
+          </a:p>
+          <a:p>
+            <a:pPr marL="457200" indent="-457200">
+              <a:buFont typeface="+mj-lt"/>
+              <a:buAutoNum type="arabicPeriod"/>
+            </a:pPr>
+            <a:r>
+              <a:rPr lang="en-US" altLang="zh-CN" sz="2000" dirty="0">
+                <a:solidFill>
+                  <a:schemeClr val="tx1">
+                    <a:lumMod val="95000"/>
+                    <a:lumOff val="5000"/>
+                  </a:schemeClr>
+                </a:solidFill>
+                <a:latin typeface="黑体" panose="02010609060101010101" pitchFamily="49" charset="-122"/>
+                <a:ea typeface="黑体" panose="02010609060101010101" pitchFamily="49" charset="-122"/>
+              </a:rPr>
+              <a:t>Glide</a:t>
+            </a:r>
+            <a:r>
+              <a:rPr lang="zh-CN" altLang="en-US" sz="2000" dirty="0">
+                <a:solidFill>
+                  <a:schemeClr val="tx1">
+                    <a:lumMod val="95000"/>
+                    <a:lumOff val="5000"/>
+                  </a:schemeClr>
+                </a:solidFill>
+                <a:latin typeface="黑体" panose="02010609060101010101" pitchFamily="49" charset="-122"/>
+                <a:ea typeface="黑体" panose="02010609060101010101" pitchFamily="49" charset="-122"/>
+              </a:rPr>
+              <a:t>加载图片时，直接加载到自定义的</a:t>
+            </a:r>
+            <a:r>
+              <a:rPr lang="en-US" altLang="zh-CN" sz="2000" dirty="0" err="1">
+                <a:solidFill>
+                  <a:schemeClr val="tx1">
+                    <a:lumMod val="95000"/>
+                    <a:lumOff val="5000"/>
+                  </a:schemeClr>
+                </a:solidFill>
+                <a:latin typeface="黑体" panose="02010609060101010101" pitchFamily="49" charset="-122"/>
+                <a:ea typeface="黑体" panose="02010609060101010101" pitchFamily="49" charset="-122"/>
+              </a:rPr>
+              <a:t>ImageView</a:t>
+            </a:r>
+            <a:r>
+              <a:rPr lang="zh-CN" altLang="en-US" sz="2000" dirty="0">
+                <a:solidFill>
+                  <a:schemeClr val="tx1">
+                    <a:lumMod val="95000"/>
+                    <a:lumOff val="5000"/>
+                  </a:schemeClr>
+                </a:solidFill>
+                <a:latin typeface="黑体" panose="02010609060101010101" pitchFamily="49" charset="-122"/>
+                <a:ea typeface="黑体" panose="02010609060101010101" pitchFamily="49" charset="-122"/>
+              </a:rPr>
+              <a:t>中，编译运行，图片并不显示，经过查询发现需要设置一个</a:t>
+            </a:r>
+            <a:r>
+              <a:rPr lang="en-US" altLang="zh-CN" sz="2000" dirty="0" err="1">
+                <a:solidFill>
+                  <a:schemeClr val="tx1">
+                    <a:lumMod val="95000"/>
+                    <a:lumOff val="5000"/>
+                  </a:schemeClr>
+                </a:solidFill>
+                <a:latin typeface="黑体" panose="02010609060101010101" pitchFamily="49" charset="-122"/>
+                <a:ea typeface="黑体" panose="02010609060101010101" pitchFamily="49" charset="-122"/>
+              </a:rPr>
+              <a:t>ViewTarget</a:t>
+            </a:r>
+            <a:r>
+              <a:rPr lang="zh-CN" altLang="en-US" sz="2000" dirty="0">
+                <a:solidFill>
+                  <a:schemeClr val="tx1">
+                    <a:lumMod val="95000"/>
+                    <a:lumOff val="5000"/>
+                  </a:schemeClr>
+                </a:solidFill>
+                <a:latin typeface="黑体" panose="02010609060101010101" pitchFamily="49" charset="-122"/>
+                <a:ea typeface="黑体" panose="02010609060101010101" pitchFamily="49" charset="-122"/>
+              </a:rPr>
+              <a:t>，重写</a:t>
+            </a:r>
+            <a:r>
+              <a:rPr lang="en-US" altLang="zh-CN" sz="2000" dirty="0" err="1">
+                <a:solidFill>
+                  <a:schemeClr val="tx1">
+                    <a:lumMod val="95000"/>
+                    <a:lumOff val="5000"/>
+                  </a:schemeClr>
+                </a:solidFill>
+                <a:latin typeface="黑体" panose="02010609060101010101" pitchFamily="49" charset="-122"/>
+                <a:ea typeface="黑体" panose="02010609060101010101" pitchFamily="49" charset="-122"/>
+              </a:rPr>
+              <a:t>onResourceReady</a:t>
+            </a:r>
+            <a:r>
+              <a:rPr lang="zh-CN" altLang="en-US" sz="2000" dirty="0">
+                <a:solidFill>
+                  <a:schemeClr val="tx1">
+                    <a:lumMod val="95000"/>
+                    <a:lumOff val="5000"/>
+                  </a:schemeClr>
+                </a:solidFill>
+                <a:latin typeface="黑体" panose="02010609060101010101" pitchFamily="49" charset="-122"/>
+                <a:ea typeface="黑体" panose="02010609060101010101" pitchFamily="49" charset="-122"/>
+              </a:rPr>
+              <a:t>方法，在该方法里面设置图片的背景图为</a:t>
+            </a:r>
+            <a:r>
+              <a:rPr lang="en-US" altLang="zh-CN" sz="2000" dirty="0">
+                <a:solidFill>
+                  <a:schemeClr val="tx1">
+                    <a:lumMod val="95000"/>
+                    <a:lumOff val="5000"/>
+                  </a:schemeClr>
+                </a:solidFill>
+                <a:latin typeface="黑体" panose="02010609060101010101" pitchFamily="49" charset="-122"/>
+                <a:ea typeface="黑体" panose="02010609060101010101" pitchFamily="49" charset="-122"/>
+              </a:rPr>
+              <a:t>Glide</a:t>
+            </a:r>
+            <a:r>
+              <a:rPr lang="zh-CN" altLang="en-US" sz="2000" dirty="0">
+                <a:solidFill>
+                  <a:schemeClr val="tx1">
+                    <a:lumMod val="95000"/>
+                    <a:lumOff val="5000"/>
+                  </a:schemeClr>
+                </a:solidFill>
+                <a:latin typeface="黑体" panose="02010609060101010101" pitchFamily="49" charset="-122"/>
+                <a:ea typeface="黑体" panose="02010609060101010101" pitchFamily="49" charset="-122"/>
+              </a:rPr>
+              <a:t>加载的图片</a:t>
+            </a:r>
+            <a:r>
+              <a:rPr lang="zh-CN" altLang="en-US" sz="2000">
+                <a:solidFill>
+                  <a:schemeClr val="tx1">
+                    <a:lumMod val="95000"/>
+                    <a:lumOff val="5000"/>
+                  </a:schemeClr>
+                </a:solidFill>
+                <a:latin typeface="黑体" panose="02010609060101010101" pitchFamily="49" charset="-122"/>
+                <a:ea typeface="黑体" panose="02010609060101010101" pitchFamily="49" charset="-122"/>
+              </a:rPr>
+              <a:t>后，圆形图片才</a:t>
+            </a:r>
+            <a:r>
+              <a:rPr lang="zh-CN" altLang="en-US" sz="2000" dirty="0">
+                <a:solidFill>
+                  <a:schemeClr val="tx1">
+                    <a:lumMod val="95000"/>
+                    <a:lumOff val="5000"/>
+                  </a:schemeClr>
+                </a:solidFill>
+                <a:latin typeface="黑体" panose="02010609060101010101" pitchFamily="49" charset="-122"/>
+                <a:ea typeface="黑体" panose="02010609060101010101" pitchFamily="49" charset="-122"/>
+              </a:rPr>
+              <a:t>得以正常显示。</a:t>
             </a:r>
             <a:endParaRPr lang="en-US" altLang="zh-CN" sz="2000" dirty="0">
               <a:solidFill>

--- a/总结.pptx
+++ b/总结.pptx
@@ -7227,7 +7227,7 @@
         <p:spPr>
           <a:xfrm>
             <a:off x="596165" y="1447229"/>
-            <a:ext cx="10999433" cy="5324535"/>
+            <a:ext cx="10999433" cy="4093428"/>
           </a:xfrm>
           <a:prstGeom prst="rect">
             <a:avLst/>
@@ -7635,194 +7635,6 @@
                 <a:ea typeface="黑体" panose="02010609060101010101" pitchFamily="49" charset="-122"/>
               </a:rPr>
               <a:t>内没有再次点击就会被判定为一次双击事件；无论连续点击多少次，都会被判定为一次双击事件。这样就解决了误判的问题。</a:t>
-            </a:r>
-            <a:endParaRPr lang="en-US" altLang="zh-CN" sz="2000" dirty="0">
-              <a:solidFill>
-                <a:schemeClr val="tx1">
-                  <a:lumMod val="95000"/>
-                  <a:lumOff val="5000"/>
-                </a:schemeClr>
-              </a:solidFill>
-              <a:latin typeface="黑体" panose="02010609060101010101" pitchFamily="49" charset="-122"/>
-              <a:ea typeface="黑体" panose="02010609060101010101" pitchFamily="49" charset="-122"/>
-            </a:endParaRPr>
-          </a:p>
-          <a:p>
-            <a:pPr marL="457200" indent="-457200">
-              <a:buFont typeface="+mj-lt"/>
-              <a:buAutoNum type="arabicPeriod"/>
-            </a:pPr>
-            <a:endParaRPr lang="en-US" altLang="zh-CN" sz="2000" dirty="0">
-              <a:solidFill>
-                <a:schemeClr val="tx1">
-                  <a:lumMod val="95000"/>
-                  <a:lumOff val="5000"/>
-                </a:schemeClr>
-              </a:solidFill>
-              <a:latin typeface="黑体" panose="02010609060101010101" pitchFamily="49" charset="-122"/>
-              <a:ea typeface="黑体" panose="02010609060101010101" pitchFamily="49" charset="-122"/>
-            </a:endParaRPr>
-          </a:p>
-          <a:p>
-            <a:pPr marL="457200" indent="-457200">
-              <a:buFont typeface="+mj-lt"/>
-              <a:buAutoNum type="arabicPeriod"/>
-            </a:pPr>
-            <a:r>
-              <a:rPr lang="en-US" altLang="zh-CN" sz="2000" dirty="0">
-                <a:solidFill>
-                  <a:schemeClr val="tx1">
-                    <a:lumMod val="95000"/>
-                    <a:lumOff val="5000"/>
-                  </a:schemeClr>
-                </a:solidFill>
-                <a:latin typeface="黑体" panose="02010609060101010101" pitchFamily="49" charset="-122"/>
-                <a:ea typeface="黑体" panose="02010609060101010101" pitchFamily="49" charset="-122"/>
-              </a:rPr>
-              <a:t>Glide</a:t>
-            </a:r>
-            <a:r>
-              <a:rPr lang="zh-CN" altLang="en-US" sz="2000" dirty="0">
-                <a:solidFill>
-                  <a:schemeClr val="tx1">
-                    <a:lumMod val="95000"/>
-                    <a:lumOff val="5000"/>
-                  </a:schemeClr>
-                </a:solidFill>
-                <a:latin typeface="黑体" panose="02010609060101010101" pitchFamily="49" charset="-122"/>
-                <a:ea typeface="黑体" panose="02010609060101010101" pitchFamily="49" charset="-122"/>
-              </a:rPr>
-              <a:t>加载图片时，直接加载到自定义的</a:t>
-            </a:r>
-            <a:r>
-              <a:rPr lang="en-US" altLang="zh-CN" sz="2000" dirty="0" err="1">
-                <a:solidFill>
-                  <a:schemeClr val="tx1">
-                    <a:lumMod val="95000"/>
-                    <a:lumOff val="5000"/>
-                  </a:schemeClr>
-                </a:solidFill>
-                <a:latin typeface="黑体" panose="02010609060101010101" pitchFamily="49" charset="-122"/>
-                <a:ea typeface="黑体" panose="02010609060101010101" pitchFamily="49" charset="-122"/>
-              </a:rPr>
-              <a:t>ImageView</a:t>
-            </a:r>
-            <a:r>
-              <a:rPr lang="zh-CN" altLang="en-US" sz="2000" dirty="0">
-                <a:solidFill>
-                  <a:schemeClr val="tx1">
-                    <a:lumMod val="95000"/>
-                    <a:lumOff val="5000"/>
-                  </a:schemeClr>
-                </a:solidFill>
-                <a:latin typeface="黑体" panose="02010609060101010101" pitchFamily="49" charset="-122"/>
-                <a:ea typeface="黑体" panose="02010609060101010101" pitchFamily="49" charset="-122"/>
-              </a:rPr>
-              <a:t>中，编译运行，图片并不显示，经过查询发现需要设置一个</a:t>
-            </a:r>
-            <a:r>
-              <a:rPr lang="en-US" altLang="zh-CN" sz="2000" dirty="0" err="1">
-                <a:solidFill>
-                  <a:schemeClr val="tx1">
-                    <a:lumMod val="95000"/>
-                    <a:lumOff val="5000"/>
-                  </a:schemeClr>
-                </a:solidFill>
-                <a:latin typeface="黑体" panose="02010609060101010101" pitchFamily="49" charset="-122"/>
-                <a:ea typeface="黑体" panose="02010609060101010101" pitchFamily="49" charset="-122"/>
-              </a:rPr>
-              <a:t>ViewTarget</a:t>
-            </a:r>
-            <a:r>
-              <a:rPr lang="zh-CN" altLang="en-US" sz="2000" dirty="0">
-                <a:solidFill>
-                  <a:schemeClr val="tx1">
-                    <a:lumMod val="95000"/>
-                    <a:lumOff val="5000"/>
-                  </a:schemeClr>
-                </a:solidFill>
-                <a:latin typeface="黑体" panose="02010609060101010101" pitchFamily="49" charset="-122"/>
-                <a:ea typeface="黑体" panose="02010609060101010101" pitchFamily="49" charset="-122"/>
-              </a:rPr>
-              <a:t>，重写</a:t>
-            </a:r>
-            <a:r>
-              <a:rPr lang="en-US" altLang="zh-CN" sz="2000" dirty="0" err="1">
-                <a:solidFill>
-                  <a:schemeClr val="tx1">
-                    <a:lumMod val="95000"/>
-                    <a:lumOff val="5000"/>
-                  </a:schemeClr>
-                </a:solidFill>
-                <a:latin typeface="黑体" panose="02010609060101010101" pitchFamily="49" charset="-122"/>
-                <a:ea typeface="黑体" panose="02010609060101010101" pitchFamily="49" charset="-122"/>
-              </a:rPr>
-              <a:t>onResourceReady</a:t>
-            </a:r>
-            <a:r>
-              <a:rPr lang="zh-CN" altLang="en-US" sz="2000" dirty="0">
-                <a:solidFill>
-                  <a:schemeClr val="tx1">
-                    <a:lumMod val="95000"/>
-                    <a:lumOff val="5000"/>
-                  </a:schemeClr>
-                </a:solidFill>
-                <a:latin typeface="黑体" panose="02010609060101010101" pitchFamily="49" charset="-122"/>
-                <a:ea typeface="黑体" panose="02010609060101010101" pitchFamily="49" charset="-122"/>
-              </a:rPr>
-              <a:t>方法，在该方法里面设置图片的背景图为</a:t>
-            </a:r>
-            <a:r>
-              <a:rPr lang="en-US" altLang="zh-CN" sz="2000" dirty="0">
-                <a:solidFill>
-                  <a:schemeClr val="tx1">
-                    <a:lumMod val="95000"/>
-                    <a:lumOff val="5000"/>
-                  </a:schemeClr>
-                </a:solidFill>
-                <a:latin typeface="黑体" panose="02010609060101010101" pitchFamily="49" charset="-122"/>
-                <a:ea typeface="黑体" panose="02010609060101010101" pitchFamily="49" charset="-122"/>
-              </a:rPr>
-              <a:t>Glide</a:t>
-            </a:r>
-            <a:r>
-              <a:rPr lang="zh-CN" altLang="en-US" sz="2000" dirty="0">
-                <a:solidFill>
-                  <a:schemeClr val="tx1">
-                    <a:lumMod val="95000"/>
-                    <a:lumOff val="5000"/>
-                  </a:schemeClr>
-                </a:solidFill>
-                <a:latin typeface="黑体" panose="02010609060101010101" pitchFamily="49" charset="-122"/>
-                <a:ea typeface="黑体" panose="02010609060101010101" pitchFamily="49" charset="-122"/>
-              </a:rPr>
-              <a:t>加载的图片</a:t>
-            </a:r>
-            <a:r>
-              <a:rPr lang="zh-CN" altLang="en-US" sz="2000">
-                <a:solidFill>
-                  <a:schemeClr val="tx1">
-                    <a:lumMod val="95000"/>
-                    <a:lumOff val="5000"/>
-                  </a:schemeClr>
-                </a:solidFill>
-                <a:latin typeface="黑体" panose="02010609060101010101" pitchFamily="49" charset="-122"/>
-                <a:ea typeface="黑体" panose="02010609060101010101" pitchFamily="49" charset="-122"/>
-              </a:rPr>
-              <a:t>后，圆形图片才</a:t>
-            </a:r>
-            <a:r>
-              <a:rPr lang="zh-CN" altLang="en-US" sz="2000" dirty="0">
-                <a:solidFill>
-                  <a:schemeClr val="tx1">
-                    <a:lumMod val="95000"/>
-                    <a:lumOff val="5000"/>
-                  </a:schemeClr>
-                </a:solidFill>
-                <a:latin typeface="黑体" panose="02010609060101010101" pitchFamily="49" charset="-122"/>
-                <a:ea typeface="黑体" panose="02010609060101010101" pitchFamily="49" charset="-122"/>
-              </a:rPr>
-              <a:t>得以正常显示。</a:t>
             </a:r>
             <a:endParaRPr lang="en-US" altLang="zh-CN" sz="2000" dirty="0">
               <a:solidFill>
